--- a/promo/Presentation2.pptx
+++ b/promo/Presentation2.pptx
@@ -200,7 +200,8 @@
           <a:p>
             <a:fld id="{06AE55D1-F845-4BE4-9272-74E9EA15ED28}" type="datetimeFigureOut">
               <a:rPr lang="cs-CZ" smtClean="0"/>
-              <a:t>26.11.2018</a:t>
+              <a:pPr/>
+              <a:t>27.11.2018</a:t>
             </a:fld>
             <a:endParaRPr lang="cs-CZ"/>
           </a:p>
@@ -361,6 +362,7 @@
           <a:p>
             <a:fld id="{164FAC54-00DA-477A-9B72-CBAECB51F0DC}" type="slidenum">
               <a:rPr lang="cs-CZ" smtClean="0"/>
+              <a:pPr/>
               <a:t>‹#›</a:t>
             </a:fld>
             <a:endParaRPr lang="cs-CZ"/>
@@ -655,6 +657,7 @@
           <a:p>
             <a:fld id="{164FAC54-00DA-477A-9B72-CBAECB51F0DC}" type="slidenum">
               <a:rPr lang="cs-CZ" smtClean="0"/>
+              <a:pPr/>
               <a:t>2</a:t>
             </a:fld>
             <a:endParaRPr lang="cs-CZ"/>
@@ -800,7 +803,208 @@
           <a:p>
             <a:fld id="{164FAC54-00DA-477A-9B72-CBAECB51F0DC}" type="slidenum">
               <a:rPr lang="cs-CZ" smtClean="0"/>
+              <a:pPr/>
               <a:t>3</a:t>
+            </a:fld>
+            <a:endParaRPr lang="cs-CZ"/>
+          </a:p>
+        </p:txBody>
+      </p:sp>
+    </p:spTree>
+  </p:cSld>
+  <p:clrMapOvr>
+    <a:masterClrMapping/>
+  </p:clrMapOvr>
+</p:notes>
+</file>
+
+<file path=ppt/notesSlides/notesSlide3.xml><?xml version="1.0" encoding="utf-8"?>
+<p:notes xmlns:a="http://schemas.openxmlformats.org/drawingml/2006/main" xmlns:r="http://schemas.openxmlformats.org/officeDocument/2006/relationships" xmlns:p="http://schemas.openxmlformats.org/presentationml/2006/main">
+  <p:cSld>
+    <p:spTree>
+      <p:nvGrpSpPr>
+        <p:cNvPr id="1" name=""/>
+        <p:cNvGrpSpPr/>
+        <p:nvPr/>
+      </p:nvGrpSpPr>
+      <p:grpSpPr>
+        <a:xfrm>
+          <a:off x="0" y="0"/>
+          <a:ext cx="0" cy="0"/>
+          <a:chOff x="0" y="0"/>
+          <a:chExt cx="0" cy="0"/>
+        </a:xfrm>
+      </p:grpSpPr>
+      <p:sp>
+        <p:nvSpPr>
+          <p:cNvPr id="2" name="Zástupný symbol pro obrázek snímku 1"/>
+          <p:cNvSpPr>
+            <a:spLocks noGrp="1" noRot="1" noChangeAspect="1"/>
+          </p:cNvSpPr>
+          <p:nvPr>
+            <p:ph type="sldImg"/>
+          </p:nvPr>
+        </p:nvSpPr>
+        <p:spPr/>
+      </p:sp>
+      <p:sp>
+        <p:nvSpPr>
+          <p:cNvPr id="3" name="Zástupný symbol pro poznámky 2"/>
+          <p:cNvSpPr>
+            <a:spLocks noGrp="1"/>
+          </p:cNvSpPr>
+          <p:nvPr>
+            <p:ph type="body" idx="1"/>
+          </p:nvPr>
+        </p:nvSpPr>
+        <p:spPr/>
+        <p:txBody>
+          <a:bodyPr>
+            <a:normAutofit/>
+          </a:bodyPr>
+          <a:lstStyle/>
+          <a:p>
+            <a:r>
+              <a:rPr lang="en-US" dirty="0" smtClean="0"/>
+              <a:t>There are two main reasons why we </a:t>
+            </a:r>
+            <a:r>
+              <a:rPr lang="en-US" dirty="0" err="1" smtClean="0"/>
+              <a:t>choosed</a:t>
+            </a:r>
+            <a:r>
+              <a:rPr lang="en-US" dirty="0" smtClean="0"/>
+              <a:t> Client server</a:t>
+            </a:r>
+            <a:r>
+              <a:rPr lang="en-US" baseline="0" dirty="0" smtClean="0"/>
+              <a:t> architecture.</a:t>
+            </a:r>
+          </a:p>
+          <a:p>
+            <a:r>
+              <a:rPr lang="en-US" baseline="0" dirty="0" smtClean="0"/>
+              <a:t>The first one is that we need data to be </a:t>
+            </a:r>
+            <a:r>
+              <a:rPr lang="en-US" baseline="0" dirty="0" err="1" smtClean="0"/>
+              <a:t>availible</a:t>
+            </a:r>
+            <a:r>
+              <a:rPr lang="en-US" baseline="0" dirty="0" smtClean="0"/>
+              <a:t> to many users at same time, because users will be editing a reading for example the same event saved on server.</a:t>
+            </a:r>
+          </a:p>
+          <a:p>
+            <a:r>
+              <a:rPr lang="en-US" baseline="0" dirty="0" smtClean="0"/>
+              <a:t>The second is reason that we will have more than one type of client which both will be using the data. So it makes sense to make one unified API on server to serve them all.</a:t>
+            </a:r>
+            <a:endParaRPr lang="cs-CZ" dirty="0"/>
+          </a:p>
+        </p:txBody>
+      </p:sp>
+      <p:sp>
+        <p:nvSpPr>
+          <p:cNvPr id="4" name="Zástupný symbol pro číslo snímku 3"/>
+          <p:cNvSpPr>
+            <a:spLocks noGrp="1"/>
+          </p:cNvSpPr>
+          <p:nvPr>
+            <p:ph type="sldNum" sz="quarter" idx="10"/>
+          </p:nvPr>
+        </p:nvSpPr>
+        <p:spPr/>
+        <p:txBody>
+          <a:bodyPr/>
+          <a:lstStyle/>
+          <a:p>
+            <a:fld id="{164FAC54-00DA-477A-9B72-CBAECB51F0DC}" type="slidenum">
+              <a:rPr lang="cs-CZ" smtClean="0"/>
+              <a:pPr/>
+              <a:t>7</a:t>
+            </a:fld>
+            <a:endParaRPr lang="cs-CZ"/>
+          </a:p>
+        </p:txBody>
+      </p:sp>
+    </p:spTree>
+  </p:cSld>
+  <p:clrMapOvr>
+    <a:masterClrMapping/>
+  </p:clrMapOvr>
+</p:notes>
+</file>
+
+<file path=ppt/notesSlides/notesSlide4.xml><?xml version="1.0" encoding="utf-8"?>
+<p:notes xmlns:a="http://schemas.openxmlformats.org/drawingml/2006/main" xmlns:r="http://schemas.openxmlformats.org/officeDocument/2006/relationships" xmlns:p="http://schemas.openxmlformats.org/presentationml/2006/main">
+  <p:cSld>
+    <p:spTree>
+      <p:nvGrpSpPr>
+        <p:cNvPr id="1" name=""/>
+        <p:cNvGrpSpPr/>
+        <p:nvPr/>
+      </p:nvGrpSpPr>
+      <p:grpSpPr>
+        <a:xfrm>
+          <a:off x="0" y="0"/>
+          <a:ext cx="0" cy="0"/>
+          <a:chOff x="0" y="0"/>
+          <a:chExt cx="0" cy="0"/>
+        </a:xfrm>
+      </p:grpSpPr>
+      <p:sp>
+        <p:nvSpPr>
+          <p:cNvPr id="2" name="Zástupný symbol pro obrázek snímku 1"/>
+          <p:cNvSpPr>
+            <a:spLocks noGrp="1" noRot="1" noChangeAspect="1"/>
+          </p:cNvSpPr>
+          <p:nvPr>
+            <p:ph type="sldImg"/>
+          </p:nvPr>
+        </p:nvSpPr>
+        <p:spPr/>
+      </p:sp>
+      <p:sp>
+        <p:nvSpPr>
+          <p:cNvPr id="3" name="Zástupný symbol pro poznámky 2"/>
+          <p:cNvSpPr>
+            <a:spLocks noGrp="1"/>
+          </p:cNvSpPr>
+          <p:nvPr>
+            <p:ph type="body" idx="1"/>
+          </p:nvPr>
+        </p:nvSpPr>
+        <p:spPr/>
+        <p:txBody>
+          <a:bodyPr>
+            <a:normAutofit/>
+          </a:bodyPr>
+          <a:lstStyle/>
+          <a:p>
+            <a:endParaRPr lang="cs-CZ" dirty="0"/>
+          </a:p>
+        </p:txBody>
+      </p:sp>
+      <p:sp>
+        <p:nvSpPr>
+          <p:cNvPr id="4" name="Zástupný symbol pro číslo snímku 3"/>
+          <p:cNvSpPr>
+            <a:spLocks noGrp="1"/>
+          </p:cNvSpPr>
+          <p:nvPr>
+            <p:ph type="sldNum" sz="quarter" idx="10"/>
+          </p:nvPr>
+        </p:nvSpPr>
+        <p:spPr/>
+        <p:txBody>
+          <a:bodyPr/>
+          <a:lstStyle/>
+          <a:p>
+            <a:fld id="{164FAC54-00DA-477A-9B72-CBAECB51F0DC}" type="slidenum">
+              <a:rPr lang="cs-CZ" smtClean="0"/>
+              <a:pPr/>
+              <a:t>9</a:t>
             </a:fld>
             <a:endParaRPr lang="cs-CZ"/>
           </a:p>
@@ -996,7 +1200,7 @@
             <a:fld id="{A2CC4868-2D33-485B-847E-48E4CD82DC28}" type="datetimeFigureOut">
               <a:rPr lang="cs-CZ" smtClean="0"/>
               <a:pPr/>
-              <a:t>26.11.2018</a:t>
+              <a:t>27.11.2018</a:t>
             </a:fld>
             <a:endParaRPr lang="cs-CZ"/>
           </a:p>
@@ -1163,7 +1367,7 @@
             <a:fld id="{A2CC4868-2D33-485B-847E-48E4CD82DC28}" type="datetimeFigureOut">
               <a:rPr lang="cs-CZ" smtClean="0"/>
               <a:pPr/>
-              <a:t>26.11.2018</a:t>
+              <a:t>27.11.2018</a:t>
             </a:fld>
             <a:endParaRPr lang="cs-CZ"/>
           </a:p>
@@ -1340,7 +1544,7 @@
             <a:fld id="{A2CC4868-2D33-485B-847E-48E4CD82DC28}" type="datetimeFigureOut">
               <a:rPr lang="cs-CZ" smtClean="0"/>
               <a:pPr/>
-              <a:t>26.11.2018</a:t>
+              <a:t>27.11.2018</a:t>
             </a:fld>
             <a:endParaRPr lang="cs-CZ"/>
           </a:p>
@@ -1507,7 +1711,7 @@
             <a:fld id="{A2CC4868-2D33-485B-847E-48E4CD82DC28}" type="datetimeFigureOut">
               <a:rPr lang="cs-CZ" smtClean="0"/>
               <a:pPr/>
-              <a:t>26.11.2018</a:t>
+              <a:t>27.11.2018</a:t>
             </a:fld>
             <a:endParaRPr lang="cs-CZ"/>
           </a:p>
@@ -1750,7 +1954,7 @@
             <a:fld id="{A2CC4868-2D33-485B-847E-48E4CD82DC28}" type="datetimeFigureOut">
               <a:rPr lang="cs-CZ" smtClean="0"/>
               <a:pPr/>
-              <a:t>26.11.2018</a:t>
+              <a:t>27.11.2018</a:t>
             </a:fld>
             <a:endParaRPr lang="cs-CZ"/>
           </a:p>
@@ -2035,7 +2239,7 @@
             <a:fld id="{A2CC4868-2D33-485B-847E-48E4CD82DC28}" type="datetimeFigureOut">
               <a:rPr lang="cs-CZ" smtClean="0"/>
               <a:pPr/>
-              <a:t>26.11.2018</a:t>
+              <a:t>27.11.2018</a:t>
             </a:fld>
             <a:endParaRPr lang="cs-CZ"/>
           </a:p>
@@ -2454,7 +2658,7 @@
             <a:fld id="{A2CC4868-2D33-485B-847E-48E4CD82DC28}" type="datetimeFigureOut">
               <a:rPr lang="cs-CZ" smtClean="0"/>
               <a:pPr/>
-              <a:t>26.11.2018</a:t>
+              <a:t>27.11.2018</a:t>
             </a:fld>
             <a:endParaRPr lang="cs-CZ"/>
           </a:p>
@@ -2569,7 +2773,7 @@
             <a:fld id="{A2CC4868-2D33-485B-847E-48E4CD82DC28}" type="datetimeFigureOut">
               <a:rPr lang="cs-CZ" smtClean="0"/>
               <a:pPr/>
-              <a:t>26.11.2018</a:t>
+              <a:t>27.11.2018</a:t>
             </a:fld>
             <a:endParaRPr lang="cs-CZ"/>
           </a:p>
@@ -2661,7 +2865,7 @@
             <a:fld id="{A2CC4868-2D33-485B-847E-48E4CD82DC28}" type="datetimeFigureOut">
               <a:rPr lang="cs-CZ" smtClean="0"/>
               <a:pPr/>
-              <a:t>26.11.2018</a:t>
+              <a:t>27.11.2018</a:t>
             </a:fld>
             <a:endParaRPr lang="cs-CZ"/>
           </a:p>
@@ -2935,7 +3139,7 @@
             <a:fld id="{A2CC4868-2D33-485B-847E-48E4CD82DC28}" type="datetimeFigureOut">
               <a:rPr lang="cs-CZ" smtClean="0"/>
               <a:pPr/>
-              <a:t>26.11.2018</a:t>
+              <a:t>27.11.2018</a:t>
             </a:fld>
             <a:endParaRPr lang="cs-CZ"/>
           </a:p>
@@ -3185,7 +3389,7 @@
             <a:fld id="{A2CC4868-2D33-485B-847E-48E4CD82DC28}" type="datetimeFigureOut">
               <a:rPr lang="cs-CZ" smtClean="0"/>
               <a:pPr/>
-              <a:t>26.11.2018</a:t>
+              <a:t>27.11.2018</a:t>
             </a:fld>
             <a:endParaRPr lang="cs-CZ"/>
           </a:p>
@@ -3395,7 +3599,7 @@
             <a:fld id="{A2CC4868-2D33-485B-847E-48E4CD82DC28}" type="datetimeFigureOut">
               <a:rPr lang="cs-CZ" smtClean="0"/>
               <a:pPr/>
-              <a:t>26.11.2018</a:t>
+              <a:t>27.11.2018</a:t>
             </a:fld>
             <a:endParaRPr lang="cs-CZ"/>
           </a:p>
@@ -4447,7 +4651,7 @@
           <p:nvPr/>
         </p:nvPicPr>
         <p:blipFill>
-          <a:blip r:embed="rId2"/>
+          <a:blip r:embed="rId3"/>
           <a:srcRect/>
           <a:stretch>
             <a:fillRect/>
@@ -4510,13 +4714,7 @@
               <a:rPr lang="en-US" sz="2800" dirty="0" smtClean="0">
                 <a:latin typeface="Adobe Caslon Pro" pitchFamily="18" charset="-18"/>
               </a:rPr>
-              <a:t> </a:t>
-            </a:r>
-            <a:r>
-              <a:rPr lang="en-US" sz="2800" dirty="0" smtClean="0">
-                <a:latin typeface="Adobe Caslon Pro" pitchFamily="18" charset="-18"/>
-              </a:rPr>
-              <a:t>Data availability for cooperation of many users</a:t>
+              <a:t> Data availability for cooperation of many users</a:t>
             </a:r>
           </a:p>
           <a:p>
@@ -4531,13 +4729,7 @@
               <a:rPr lang="en-US" sz="2800" dirty="0" smtClean="0">
                 <a:latin typeface="Adobe Caslon Pro" pitchFamily="18" charset="-18"/>
               </a:rPr>
-              <a:t> </a:t>
-            </a:r>
-            <a:r>
-              <a:rPr lang="en-US" sz="2800" dirty="0" smtClean="0">
-                <a:latin typeface="Adobe Caslon Pro" pitchFamily="18" charset="-18"/>
-              </a:rPr>
-              <a:t>More than one type of client (unified API)</a:t>
+              <a:t> More than one type of client (unified API)</a:t>
             </a:r>
           </a:p>
           <a:p>
@@ -4585,7 +4777,7 @@
       </p:grpSpPr>
       <p:pic>
         <p:nvPicPr>
-          <p:cNvPr id="2050" name="Picture 2" descr="C:\TEI\EventMate_docs\UML\Class_Diagram_small.jpg"/>
+          <p:cNvPr id="1026" name="Picture 2" descr="C:\TEI\EventMate_docs\UML\Class_Diagram_small2.png"/>
           <p:cNvPicPr>
             <a:picLocks noChangeAspect="1" noChangeArrowheads="1"/>
           </p:cNvPicPr>
@@ -4601,7 +4793,7 @@
         <p:spPr bwMode="auto">
           <a:xfrm>
             <a:off x="500034" y="0"/>
-            <a:ext cx="8034077" cy="6858000"/>
+            <a:ext cx="8034078" cy="6858000"/>
           </a:xfrm>
           <a:prstGeom prst="rect">
             <a:avLst/>
@@ -4650,7 +4842,7 @@
           <p:nvPr/>
         </p:nvPicPr>
         <p:blipFill>
-          <a:blip r:embed="rId2"/>
+          <a:blip r:embed="rId3"/>
           <a:srcRect/>
           <a:stretch>
             <a:fillRect/>
@@ -4674,6 +4866,80 @@
           <a:effectLst/>
         </p:spPr>
       </p:pic>
+      <p:sp>
+        <p:nvSpPr>
+          <p:cNvPr id="3" name="TextovéPole 2"/>
+          <p:cNvSpPr txBox="1"/>
+          <p:nvPr/>
+        </p:nvSpPr>
+        <p:spPr>
+          <a:xfrm>
+            <a:off x="3071802" y="428604"/>
+            <a:ext cx="2817567" cy="523220"/>
+          </a:xfrm>
+          <a:prstGeom prst="rect">
+            <a:avLst/>
+          </a:prstGeom>
+          <a:noFill/>
+        </p:spPr>
+        <p:txBody>
+          <a:bodyPr wrap="none" rtlCol="0">
+            <a:spAutoFit/>
+          </a:bodyPr>
+          <a:lstStyle/>
+          <a:p>
+            <a:pPr algn="ctr"/>
+            <a:r>
+              <a:rPr lang="en-US" sz="2800" dirty="0" smtClean="0">
+                <a:latin typeface="Adobe Caslon Pro" pitchFamily="18" charset="-18"/>
+              </a:rPr>
+              <a:t>Sequence diagram</a:t>
+            </a:r>
+            <a:endParaRPr lang="cs-CZ" sz="2800" dirty="0">
+              <a:latin typeface="Adobe Caslon Pro" pitchFamily="18" charset="-18"/>
+            </a:endParaRPr>
+          </a:p>
+        </p:txBody>
+      </p:sp>
+      <p:sp>
+        <p:nvSpPr>
+          <p:cNvPr id="4" name="TextovéPole 3"/>
+          <p:cNvSpPr txBox="1"/>
+          <p:nvPr/>
+        </p:nvSpPr>
+        <p:spPr>
+          <a:xfrm>
+            <a:off x="1928794" y="6304002"/>
+            <a:ext cx="5929354" cy="553998"/>
+          </a:xfrm>
+          <a:prstGeom prst="rect">
+            <a:avLst/>
+          </a:prstGeom>
+          <a:noFill/>
+        </p:spPr>
+        <p:txBody>
+          <a:bodyPr wrap="square" rtlCol="0">
+            <a:spAutoFit/>
+          </a:bodyPr>
+          <a:lstStyle/>
+          <a:p>
+            <a:pPr>
+              <a:lnSpc>
+                <a:spcPct val="150000"/>
+              </a:lnSpc>
+            </a:pPr>
+            <a:r>
+              <a:rPr lang="en-US" sz="2000" dirty="0" smtClean="0">
+                <a:latin typeface="Adobe Caslon Pro" pitchFamily="18" charset="-18"/>
+              </a:rPr>
+              <a:t>Creating event with inviting guests on Android app</a:t>
+            </a:r>
+            <a:endParaRPr lang="cs-CZ" sz="2000" dirty="0">
+              <a:latin typeface="Adobe Caslon Pro" pitchFamily="18" charset="-18"/>
+            </a:endParaRPr>
+          </a:p>
+        </p:txBody>
+      </p:sp>
     </p:spTree>
   </p:cSld>
   <p:clrMapOvr>
